--- a/hw6/UX framework for MOMO購物網.pptx
+++ b/hw6/UX framework for MOMO購物網.pptx
@@ -14,6 +14,8 @@
     <p:sldId id="263" r:id="rId8"/>
     <p:sldId id="262" r:id="rId9"/>
     <p:sldId id="265" r:id="rId10"/>
+    <p:sldId id="267" r:id="rId11"/>
+    <p:sldId id="268" r:id="rId12"/>
   </p:sldIdLst>
   <p:sldSz cx="12192000" cy="6858000"/>
   <p:notesSz cx="6858000" cy="9144000"/>
@@ -251,7 +253,7 @@
           <a:p>
             <a:fld id="{E022A2EC-DB29-4C66-B2AF-A87F10FC6770}" type="datetimeFigureOut">
               <a:rPr lang="zh-TW" altLang="en-US" smtClean="0"/>
-              <a:t>2017/3/30</a:t>
+              <a:t>2017/3/31</a:t>
             </a:fld>
             <a:endParaRPr lang="zh-TW" altLang="en-US"/>
           </a:p>
@@ -421,7 +423,7 @@
           <a:p>
             <a:fld id="{E022A2EC-DB29-4C66-B2AF-A87F10FC6770}" type="datetimeFigureOut">
               <a:rPr lang="zh-TW" altLang="en-US" smtClean="0"/>
-              <a:t>2017/3/30</a:t>
+              <a:t>2017/3/31</a:t>
             </a:fld>
             <a:endParaRPr lang="zh-TW" altLang="en-US"/>
           </a:p>
@@ -601,7 +603,7 @@
           <a:p>
             <a:fld id="{E022A2EC-DB29-4C66-B2AF-A87F10FC6770}" type="datetimeFigureOut">
               <a:rPr lang="zh-TW" altLang="en-US" smtClean="0"/>
-              <a:t>2017/3/30</a:t>
+              <a:t>2017/3/31</a:t>
             </a:fld>
             <a:endParaRPr lang="zh-TW" altLang="en-US"/>
           </a:p>
@@ -771,7 +773,7 @@
           <a:p>
             <a:fld id="{E022A2EC-DB29-4C66-B2AF-A87F10FC6770}" type="datetimeFigureOut">
               <a:rPr lang="zh-TW" altLang="en-US" smtClean="0"/>
-              <a:t>2017/3/30</a:t>
+              <a:t>2017/3/31</a:t>
             </a:fld>
             <a:endParaRPr lang="zh-TW" altLang="en-US"/>
           </a:p>
@@ -1017,7 +1019,7 @@
           <a:p>
             <a:fld id="{E022A2EC-DB29-4C66-B2AF-A87F10FC6770}" type="datetimeFigureOut">
               <a:rPr lang="zh-TW" altLang="en-US" smtClean="0"/>
-              <a:t>2017/3/30</a:t>
+              <a:t>2017/3/31</a:t>
             </a:fld>
             <a:endParaRPr lang="zh-TW" altLang="en-US"/>
           </a:p>
@@ -1249,7 +1251,7 @@
           <a:p>
             <a:fld id="{E022A2EC-DB29-4C66-B2AF-A87F10FC6770}" type="datetimeFigureOut">
               <a:rPr lang="zh-TW" altLang="en-US" smtClean="0"/>
-              <a:t>2017/3/30</a:t>
+              <a:t>2017/3/31</a:t>
             </a:fld>
             <a:endParaRPr lang="zh-TW" altLang="en-US"/>
           </a:p>
@@ -1616,7 +1618,7 @@
           <a:p>
             <a:fld id="{E022A2EC-DB29-4C66-B2AF-A87F10FC6770}" type="datetimeFigureOut">
               <a:rPr lang="zh-TW" altLang="en-US" smtClean="0"/>
-              <a:t>2017/3/30</a:t>
+              <a:t>2017/3/31</a:t>
             </a:fld>
             <a:endParaRPr lang="zh-TW" altLang="en-US"/>
           </a:p>
@@ -1734,7 +1736,7 @@
           <a:p>
             <a:fld id="{E022A2EC-DB29-4C66-B2AF-A87F10FC6770}" type="datetimeFigureOut">
               <a:rPr lang="zh-TW" altLang="en-US" smtClean="0"/>
-              <a:t>2017/3/30</a:t>
+              <a:t>2017/3/31</a:t>
             </a:fld>
             <a:endParaRPr lang="zh-TW" altLang="en-US"/>
           </a:p>
@@ -1829,7 +1831,7 @@
           <a:p>
             <a:fld id="{E022A2EC-DB29-4C66-B2AF-A87F10FC6770}" type="datetimeFigureOut">
               <a:rPr lang="zh-TW" altLang="en-US" smtClean="0"/>
-              <a:t>2017/3/30</a:t>
+              <a:t>2017/3/31</a:t>
             </a:fld>
             <a:endParaRPr lang="zh-TW" altLang="en-US"/>
           </a:p>
@@ -2106,7 +2108,7 @@
           <a:p>
             <a:fld id="{E022A2EC-DB29-4C66-B2AF-A87F10FC6770}" type="datetimeFigureOut">
               <a:rPr lang="zh-TW" altLang="en-US" smtClean="0"/>
-              <a:t>2017/3/30</a:t>
+              <a:t>2017/3/31</a:t>
             </a:fld>
             <a:endParaRPr lang="zh-TW" altLang="en-US"/>
           </a:p>
@@ -2359,7 +2361,7 @@
           <a:p>
             <a:fld id="{E022A2EC-DB29-4C66-B2AF-A87F10FC6770}" type="datetimeFigureOut">
               <a:rPr lang="zh-TW" altLang="en-US" smtClean="0"/>
-              <a:t>2017/3/30</a:t>
+              <a:t>2017/3/31</a:t>
             </a:fld>
             <a:endParaRPr lang="zh-TW" altLang="en-US"/>
           </a:p>
@@ -2572,7 +2574,7 @@
           <a:p>
             <a:fld id="{E022A2EC-DB29-4C66-B2AF-A87F10FC6770}" type="datetimeFigureOut">
               <a:rPr lang="zh-TW" altLang="en-US" smtClean="0"/>
-              <a:t>2017/3/30</a:t>
+              <a:t>2017/3/31</a:t>
             </a:fld>
             <a:endParaRPr lang="zh-TW" altLang="en-US"/>
           </a:p>
@@ -3227,6 +3229,1182 @@
 </p:sld>
 </file>
 
+<file path=ppt/slides/slide10.xml><?xml version="1.0" encoding="utf-8"?>
+<p:sld xmlns:a="http://schemas.openxmlformats.org/drawingml/2006/main" xmlns:r="http://schemas.openxmlformats.org/officeDocument/2006/relationships" xmlns:p="http://schemas.openxmlformats.org/presentationml/2006/main">
+  <p:cSld>
+    <p:spTree>
+      <p:nvGrpSpPr>
+        <p:cNvPr id="1" name=""/>
+        <p:cNvGrpSpPr/>
+        <p:nvPr/>
+      </p:nvGrpSpPr>
+      <p:grpSpPr>
+        <a:xfrm>
+          <a:off x="0" y="0"/>
+          <a:ext cx="0" cy="0"/>
+          <a:chOff x="0" y="0"/>
+          <a:chExt cx="0" cy="0"/>
+        </a:xfrm>
+      </p:grpSpPr>
+      <p:pic>
+        <p:nvPicPr>
+          <p:cNvPr id="10" name="圖片 9"/>
+          <p:cNvPicPr>
+            <a:picLocks noChangeAspect="1"/>
+          </p:cNvPicPr>
+          <p:nvPr/>
+        </p:nvPicPr>
+        <p:blipFill>
+          <a:blip r:embed="rId2">
+            <a:extLst>
+              <a:ext uri="{28A0092B-C50C-407E-A947-70E740481C1C}">
+                <a14:useLocalDpi xmlns:a14="http://schemas.microsoft.com/office/drawing/2010/main" val="0"/>
+              </a:ext>
+            </a:extLst>
+          </a:blip>
+          <a:stretch>
+            <a:fillRect/>
+          </a:stretch>
+        </p:blipFill>
+        <p:spPr>
+          <a:xfrm>
+            <a:off x="1089165" y="1037968"/>
+            <a:ext cx="10199113" cy="5801405"/>
+          </a:xfrm>
+          <a:prstGeom prst="rect">
+            <a:avLst/>
+          </a:prstGeom>
+        </p:spPr>
+      </p:pic>
+      <p:sp>
+        <p:nvSpPr>
+          <p:cNvPr id="5" name="標題 1"/>
+          <p:cNvSpPr txBox="1">
+            <a:spLocks noGrp="1"/>
+          </p:cNvSpPr>
+          <p:nvPr>
+            <p:ph type="title"/>
+          </p:nvPr>
+        </p:nvSpPr>
+        <p:spPr>
+          <a:xfrm>
+            <a:off x="895865" y="365125"/>
+            <a:ext cx="10515600" cy="1325563"/>
+          </a:xfrm>
+          <a:prstGeom prst="rect">
+            <a:avLst/>
+          </a:prstGeom>
+        </p:spPr>
+        <p:txBody>
+          <a:bodyPr vert="horz" lIns="91440" tIns="45720" rIns="91440" bIns="45720" rtlCol="0" anchor="ctr">
+            <a:normAutofit/>
+          </a:bodyPr>
+          <a:lstStyle>
+            <a:lvl1pPr algn="l" defTabSz="914400" rtl="0" eaLnBrk="1" latinLnBrk="0" hangingPunct="1">
+              <a:lnSpc>
+                <a:spcPct val="90000"/>
+              </a:lnSpc>
+              <a:spcBef>
+                <a:spcPct val="0"/>
+              </a:spcBef>
+              <a:buNone/>
+              <a:defRPr sz="4400" kern="1200">
+                <a:solidFill>
+                  <a:schemeClr val="tx1"/>
+                </a:solidFill>
+                <a:latin typeface="+mj-lt"/>
+                <a:ea typeface="+mj-ea"/>
+                <a:cs typeface="+mj-cs"/>
+              </a:defRPr>
+            </a:lvl1pPr>
+          </a:lstStyle>
+          <a:p>
+            <a:r>
+              <a:rPr lang="en-US" altLang="zh-TW" sz="3200" dirty="0" smtClean="0">
+                <a:latin typeface="SentyMARUKO 新蒂小丸子体" panose="03000600000000000000" pitchFamily="66" charset="-120"/>
+                <a:ea typeface="SentyMARUKO 新蒂小丸子体" panose="03000600000000000000" pitchFamily="66" charset="-120"/>
+              </a:rPr>
+              <a:t>3.2</a:t>
+            </a:r>
+            <a:r>
+              <a:rPr lang="zh-TW" altLang="en-US" sz="3200" dirty="0" smtClean="0">
+                <a:latin typeface="SentyMARUKO 新蒂小丸子体" panose="03000600000000000000" pitchFamily="66" charset="-120"/>
+                <a:ea typeface="SentyMARUKO 新蒂小丸子体" panose="03000600000000000000" pitchFamily="66" charset="-120"/>
+              </a:rPr>
+              <a:t> </a:t>
+            </a:r>
+            <a:r>
+              <a:rPr lang="en-US" altLang="zh-TW" sz="3200" dirty="0" err="1" smtClean="0">
+                <a:latin typeface="SentyMARUKO 新蒂小丸子体" panose="03000600000000000000" pitchFamily="66" charset="-120"/>
+                <a:ea typeface="SentyMARUKO 新蒂小丸子体" panose="03000600000000000000" pitchFamily="66" charset="-120"/>
+              </a:rPr>
+              <a:t>Usecase</a:t>
+            </a:r>
+            <a:r>
+              <a:rPr lang="en-US" altLang="zh-TW" sz="3200" dirty="0" smtClean="0">
+                <a:latin typeface="SentyMARUKO 新蒂小丸子体" panose="03000600000000000000" pitchFamily="66" charset="-120"/>
+                <a:ea typeface="SentyMARUKO 新蒂小丸子体" panose="03000600000000000000" pitchFamily="66" charset="-120"/>
+              </a:rPr>
+              <a:t> –</a:t>
+            </a:r>
+            <a:r>
+              <a:rPr lang="zh-TW" altLang="en-US" sz="3200" dirty="0" smtClean="0">
+                <a:latin typeface="SentyMARUKO 新蒂小丸子体" panose="03000600000000000000" pitchFamily="66" charset="-120"/>
+                <a:ea typeface="SentyMARUKO 新蒂小丸子体" panose="03000600000000000000" pitchFamily="66" charset="-120"/>
+              </a:rPr>
+              <a:t> 搜尋功能</a:t>
+            </a:r>
+            <a:endParaRPr lang="zh-TW" altLang="en-US" sz="3200" dirty="0">
+              <a:latin typeface="SentyMARUKO 新蒂小丸子体" panose="03000600000000000000" pitchFamily="66" charset="-120"/>
+              <a:ea typeface="SentyMARUKO 新蒂小丸子体" panose="03000600000000000000" pitchFamily="66" charset="-120"/>
+            </a:endParaRPr>
+          </a:p>
+        </p:txBody>
+      </p:sp>
+      <p:sp>
+        <p:nvSpPr>
+          <p:cNvPr id="4" name="文字方塊 3"/>
+          <p:cNvSpPr txBox="1"/>
+          <p:nvPr/>
+        </p:nvSpPr>
+        <p:spPr>
+          <a:xfrm>
+            <a:off x="3951212" y="3728532"/>
+            <a:ext cx="504707" cy="377674"/>
+          </a:xfrm>
+          <a:prstGeom prst="rect">
+            <a:avLst/>
+          </a:prstGeom>
+          <a:noFill/>
+        </p:spPr>
+        <p:txBody>
+          <a:bodyPr wrap="square" rtlCol="0">
+            <a:spAutoFit/>
+          </a:bodyPr>
+          <a:lstStyle/>
+          <a:p>
+            <a:r>
+              <a:rPr lang="en-US" altLang="zh-TW" dirty="0" smtClean="0">
+                <a:solidFill>
+                  <a:srgbClr val="E40080"/>
+                </a:solidFill>
+              </a:rPr>
+              <a:t>OR</a:t>
+            </a:r>
+            <a:endParaRPr lang="zh-TW" altLang="en-US" dirty="0">
+              <a:solidFill>
+                <a:srgbClr val="E40080"/>
+              </a:solidFill>
+            </a:endParaRPr>
+          </a:p>
+        </p:txBody>
+      </p:sp>
+      <p:sp>
+        <p:nvSpPr>
+          <p:cNvPr id="8" name="文字方塊 7"/>
+          <p:cNvSpPr txBox="1"/>
+          <p:nvPr/>
+        </p:nvSpPr>
+        <p:spPr>
+          <a:xfrm>
+            <a:off x="6139751" y="2418486"/>
+            <a:ext cx="672941" cy="236046"/>
+          </a:xfrm>
+          <a:prstGeom prst="rect">
+            <a:avLst/>
+          </a:prstGeom>
+          <a:noFill/>
+        </p:spPr>
+        <p:txBody>
+          <a:bodyPr wrap="square" rtlCol="0">
+            <a:spAutoFit/>
+          </a:bodyPr>
+          <a:lstStyle/>
+          <a:p>
+            <a:r>
+              <a:rPr lang="zh-TW" altLang="en-US" sz="900" b="1" dirty="0" smtClean="0">
+                <a:solidFill>
+                  <a:schemeClr val="accent5">
+                    <a:lumMod val="75000"/>
+                  </a:schemeClr>
+                </a:solidFill>
+              </a:rPr>
+              <a:t>向左滑動</a:t>
+            </a:r>
+            <a:endParaRPr lang="zh-TW" altLang="en-US" sz="900" b="1" dirty="0">
+              <a:solidFill>
+                <a:schemeClr val="accent5">
+                  <a:lumMod val="75000"/>
+                </a:schemeClr>
+              </a:solidFill>
+            </a:endParaRPr>
+          </a:p>
+        </p:txBody>
+      </p:sp>
+      <p:sp>
+        <p:nvSpPr>
+          <p:cNvPr id="13" name="矩形 12"/>
+          <p:cNvSpPr/>
+          <p:nvPr/>
+        </p:nvSpPr>
+        <p:spPr>
+          <a:xfrm>
+            <a:off x="795960" y="1276865"/>
+            <a:ext cx="6318203" cy="5403656"/>
+          </a:xfrm>
+          <a:prstGeom prst="rect">
+            <a:avLst/>
+          </a:prstGeom>
+          <a:noFill/>
+          <a:ln w="38100">
+            <a:solidFill>
+              <a:srgbClr val="FBB3C9"/>
+            </a:solidFill>
+          </a:ln>
+        </p:spPr>
+        <p:style>
+          <a:lnRef idx="2">
+            <a:schemeClr val="accent1">
+              <a:shade val="50000"/>
+            </a:schemeClr>
+          </a:lnRef>
+          <a:fillRef idx="1">
+            <a:schemeClr val="accent1"/>
+          </a:fillRef>
+          <a:effectRef idx="0">
+            <a:schemeClr val="accent1"/>
+          </a:effectRef>
+          <a:fontRef idx="minor">
+            <a:schemeClr val="lt1"/>
+          </a:fontRef>
+        </p:style>
+        <p:txBody>
+          <a:bodyPr rtlCol="0" anchor="ctr"/>
+          <a:lstStyle/>
+          <a:p>
+            <a:pPr algn="ctr"/>
+            <a:endParaRPr lang="zh-TW" altLang="en-US"/>
+          </a:p>
+        </p:txBody>
+      </p:sp>
+      <p:sp>
+        <p:nvSpPr>
+          <p:cNvPr id="7" name="向右箭號 6"/>
+          <p:cNvSpPr/>
+          <p:nvPr/>
+        </p:nvSpPr>
+        <p:spPr>
+          <a:xfrm>
+            <a:off x="7095195" y="3540325"/>
+            <a:ext cx="1248705" cy="565881"/>
+          </a:xfrm>
+          <a:prstGeom prst="rightArrow">
+            <a:avLst/>
+          </a:prstGeom>
+          <a:solidFill>
+            <a:srgbClr val="FBB3C9"/>
+          </a:solidFill>
+          <a:ln w="19050">
+            <a:solidFill>
+              <a:srgbClr val="E40080"/>
+            </a:solidFill>
+          </a:ln>
+        </p:spPr>
+        <p:style>
+          <a:lnRef idx="2">
+            <a:schemeClr val="accent1">
+              <a:shade val="50000"/>
+            </a:schemeClr>
+          </a:lnRef>
+          <a:fillRef idx="1">
+            <a:schemeClr val="accent1"/>
+          </a:fillRef>
+          <a:effectRef idx="0">
+            <a:schemeClr val="accent1"/>
+          </a:effectRef>
+          <a:fontRef idx="minor">
+            <a:schemeClr val="lt1"/>
+          </a:fontRef>
+        </p:style>
+        <p:txBody>
+          <a:bodyPr rtlCol="0" anchor="ctr"/>
+          <a:lstStyle/>
+          <a:p>
+            <a:pPr algn="ctr"/>
+            <a:endParaRPr lang="zh-TW" altLang="en-US"/>
+          </a:p>
+        </p:txBody>
+      </p:sp>
+      <p:sp>
+        <p:nvSpPr>
+          <p:cNvPr id="9" name="向右箭號 8"/>
+          <p:cNvSpPr/>
+          <p:nvPr/>
+        </p:nvSpPr>
+        <p:spPr>
+          <a:xfrm>
+            <a:off x="11022379" y="3540325"/>
+            <a:ext cx="1118208" cy="565881"/>
+          </a:xfrm>
+          <a:prstGeom prst="rightArrow">
+            <a:avLst/>
+          </a:prstGeom>
+          <a:solidFill>
+            <a:srgbClr val="FBB3C9"/>
+          </a:solidFill>
+          <a:ln w="19050">
+            <a:solidFill>
+              <a:srgbClr val="E40080"/>
+            </a:solidFill>
+          </a:ln>
+        </p:spPr>
+        <p:style>
+          <a:lnRef idx="2">
+            <a:schemeClr val="accent1">
+              <a:shade val="50000"/>
+            </a:schemeClr>
+          </a:lnRef>
+          <a:fillRef idx="1">
+            <a:schemeClr val="accent1"/>
+          </a:fillRef>
+          <a:effectRef idx="0">
+            <a:schemeClr val="accent1"/>
+          </a:effectRef>
+          <a:fontRef idx="minor">
+            <a:schemeClr val="lt1"/>
+          </a:fontRef>
+        </p:style>
+        <p:txBody>
+          <a:bodyPr rtlCol="0" anchor="ctr"/>
+          <a:lstStyle/>
+          <a:p>
+            <a:pPr algn="ctr"/>
+            <a:endParaRPr lang="zh-TW" altLang="en-US"/>
+          </a:p>
+        </p:txBody>
+      </p:sp>
+    </p:spTree>
+    <p:extLst>
+      <p:ext uri="{BB962C8B-B14F-4D97-AF65-F5344CB8AC3E}">
+        <p14:creationId xmlns:p14="http://schemas.microsoft.com/office/powerpoint/2010/main" val="4232420306"/>
+      </p:ext>
+    </p:extLst>
+  </p:cSld>
+  <p:clrMapOvr>
+    <a:masterClrMapping/>
+  </p:clrMapOvr>
+  <p:timing>
+    <p:tnLst>
+      <p:par>
+        <p:cTn id="1" dur="indefinite" restart="never" nodeType="tmRoot"/>
+      </p:par>
+    </p:tnLst>
+  </p:timing>
+</p:sld>
+</file>
+
+<file path=ppt/slides/slide11.xml><?xml version="1.0" encoding="utf-8"?>
+<p:sld xmlns:a="http://schemas.openxmlformats.org/drawingml/2006/main" xmlns:r="http://schemas.openxmlformats.org/officeDocument/2006/relationships" xmlns:p="http://schemas.openxmlformats.org/presentationml/2006/main">
+  <p:cSld>
+    <p:spTree>
+      <p:nvGrpSpPr>
+        <p:cNvPr id="1" name=""/>
+        <p:cNvGrpSpPr/>
+        <p:nvPr/>
+      </p:nvGrpSpPr>
+      <p:grpSpPr>
+        <a:xfrm>
+          <a:off x="0" y="0"/>
+          <a:ext cx="0" cy="0"/>
+          <a:chOff x="0" y="0"/>
+          <a:chExt cx="0" cy="0"/>
+        </a:xfrm>
+      </p:grpSpPr>
+      <p:sp>
+        <p:nvSpPr>
+          <p:cNvPr id="5" name="標題 1"/>
+          <p:cNvSpPr txBox="1">
+            <a:spLocks noGrp="1"/>
+          </p:cNvSpPr>
+          <p:nvPr>
+            <p:ph type="title"/>
+          </p:nvPr>
+        </p:nvSpPr>
+        <p:spPr>
+          <a:xfrm>
+            <a:off x="895865" y="365125"/>
+            <a:ext cx="10515600" cy="1325563"/>
+          </a:xfrm>
+          <a:prstGeom prst="rect">
+            <a:avLst/>
+          </a:prstGeom>
+        </p:spPr>
+        <p:txBody>
+          <a:bodyPr vert="horz" lIns="91440" tIns="45720" rIns="91440" bIns="45720" rtlCol="0" anchor="ctr">
+            <a:normAutofit/>
+          </a:bodyPr>
+          <a:lstStyle>
+            <a:lvl1pPr algn="l" defTabSz="914400" rtl="0" eaLnBrk="1" latinLnBrk="0" hangingPunct="1">
+              <a:lnSpc>
+                <a:spcPct val="90000"/>
+              </a:lnSpc>
+              <a:spcBef>
+                <a:spcPct val="0"/>
+              </a:spcBef>
+              <a:buNone/>
+              <a:defRPr sz="4400" kern="1200">
+                <a:solidFill>
+                  <a:schemeClr val="tx1"/>
+                </a:solidFill>
+                <a:latin typeface="+mj-lt"/>
+                <a:ea typeface="+mj-ea"/>
+                <a:cs typeface="+mj-cs"/>
+              </a:defRPr>
+            </a:lvl1pPr>
+          </a:lstStyle>
+          <a:p>
+            <a:r>
+              <a:rPr lang="en-US" altLang="zh-TW" sz="3200" dirty="0" smtClean="0">
+                <a:latin typeface="SentyMARUKO 新蒂小丸子体" panose="03000600000000000000" pitchFamily="66" charset="-120"/>
+                <a:ea typeface="SentyMARUKO 新蒂小丸子体" panose="03000600000000000000" pitchFamily="66" charset="-120"/>
+              </a:rPr>
+              <a:t>3.2</a:t>
+            </a:r>
+            <a:r>
+              <a:rPr lang="zh-TW" altLang="en-US" sz="3200" dirty="0" smtClean="0">
+                <a:latin typeface="SentyMARUKO 新蒂小丸子体" panose="03000600000000000000" pitchFamily="66" charset="-120"/>
+                <a:ea typeface="SentyMARUKO 新蒂小丸子体" panose="03000600000000000000" pitchFamily="66" charset="-120"/>
+              </a:rPr>
+              <a:t> </a:t>
+            </a:r>
+            <a:r>
+              <a:rPr lang="en-US" altLang="zh-TW" sz="3200" dirty="0" err="1" smtClean="0">
+                <a:latin typeface="SentyMARUKO 新蒂小丸子体" panose="03000600000000000000" pitchFamily="66" charset="-120"/>
+                <a:ea typeface="SentyMARUKO 新蒂小丸子体" panose="03000600000000000000" pitchFamily="66" charset="-120"/>
+              </a:rPr>
+              <a:t>Usecase</a:t>
+            </a:r>
+            <a:r>
+              <a:rPr lang="en-US" altLang="zh-TW" sz="3200" dirty="0" smtClean="0">
+                <a:latin typeface="SentyMARUKO 新蒂小丸子体" panose="03000600000000000000" pitchFamily="66" charset="-120"/>
+                <a:ea typeface="SentyMARUKO 新蒂小丸子体" panose="03000600000000000000" pitchFamily="66" charset="-120"/>
+              </a:rPr>
+              <a:t> –</a:t>
+            </a:r>
+            <a:r>
+              <a:rPr lang="zh-TW" altLang="en-US" sz="3200" dirty="0" smtClean="0">
+                <a:latin typeface="SentyMARUKO 新蒂小丸子体" panose="03000600000000000000" pitchFamily="66" charset="-120"/>
+                <a:ea typeface="SentyMARUKO 新蒂小丸子体" panose="03000600000000000000" pitchFamily="66" charset="-120"/>
+              </a:rPr>
+              <a:t> 搜尋功能</a:t>
+            </a:r>
+            <a:endParaRPr lang="zh-TW" altLang="en-US" sz="3200" dirty="0">
+              <a:latin typeface="SentyMARUKO 新蒂小丸子体" panose="03000600000000000000" pitchFamily="66" charset="-120"/>
+              <a:ea typeface="SentyMARUKO 新蒂小丸子体" panose="03000600000000000000" pitchFamily="66" charset="-120"/>
+            </a:endParaRPr>
+          </a:p>
+        </p:txBody>
+      </p:sp>
+      <p:sp>
+        <p:nvSpPr>
+          <p:cNvPr id="7" name="向右箭號 6"/>
+          <p:cNvSpPr/>
+          <p:nvPr/>
+        </p:nvSpPr>
+        <p:spPr>
+          <a:xfrm>
+            <a:off x="111733" y="3278710"/>
+            <a:ext cx="1180408" cy="565881"/>
+          </a:xfrm>
+          <a:prstGeom prst="rightArrow">
+            <a:avLst/>
+          </a:prstGeom>
+          <a:solidFill>
+            <a:srgbClr val="FBB3C9"/>
+          </a:solidFill>
+          <a:ln w="19050">
+            <a:solidFill>
+              <a:srgbClr val="E40080"/>
+            </a:solidFill>
+          </a:ln>
+        </p:spPr>
+        <p:style>
+          <a:lnRef idx="2">
+            <a:schemeClr val="accent1">
+              <a:shade val="50000"/>
+            </a:schemeClr>
+          </a:lnRef>
+          <a:fillRef idx="1">
+            <a:schemeClr val="accent1"/>
+          </a:fillRef>
+          <a:effectRef idx="0">
+            <a:schemeClr val="accent1"/>
+          </a:effectRef>
+          <a:fontRef idx="minor">
+            <a:schemeClr val="lt1"/>
+          </a:fontRef>
+        </p:style>
+        <p:txBody>
+          <a:bodyPr rtlCol="0" anchor="ctr"/>
+          <a:lstStyle/>
+          <a:p>
+            <a:pPr algn="ctr"/>
+            <a:endParaRPr lang="zh-TW" altLang="en-US"/>
+          </a:p>
+        </p:txBody>
+      </p:sp>
+      <p:sp>
+        <p:nvSpPr>
+          <p:cNvPr id="3" name="菱形 2"/>
+          <p:cNvSpPr/>
+          <p:nvPr/>
+        </p:nvSpPr>
+        <p:spPr>
+          <a:xfrm>
+            <a:off x="1392193" y="3104452"/>
+            <a:ext cx="1433384" cy="914400"/>
+          </a:xfrm>
+          <a:prstGeom prst="diamond">
+            <a:avLst/>
+          </a:prstGeom>
+          <a:solidFill>
+            <a:schemeClr val="accent5">
+              <a:lumMod val="60000"/>
+              <a:lumOff val="40000"/>
+            </a:schemeClr>
+          </a:solidFill>
+          <a:ln>
+            <a:solidFill>
+              <a:schemeClr val="accent5">
+                <a:lumMod val="75000"/>
+              </a:schemeClr>
+            </a:solidFill>
+          </a:ln>
+        </p:spPr>
+        <p:style>
+          <a:lnRef idx="2">
+            <a:schemeClr val="accent1">
+              <a:shade val="50000"/>
+            </a:schemeClr>
+          </a:lnRef>
+          <a:fillRef idx="1">
+            <a:schemeClr val="accent1"/>
+          </a:fillRef>
+          <a:effectRef idx="0">
+            <a:schemeClr val="accent1"/>
+          </a:effectRef>
+          <a:fontRef idx="minor">
+            <a:schemeClr val="lt1"/>
+          </a:fontRef>
+        </p:style>
+        <p:txBody>
+          <a:bodyPr rtlCol="0" anchor="ctr"/>
+          <a:lstStyle/>
+          <a:p>
+            <a:pPr algn="ctr"/>
+            <a:r>
+              <a:rPr lang="zh-TW" altLang="en-US" sz="1400" dirty="0" smtClean="0">
+                <a:latin typeface="微軟正黑體" panose="020B0604030504040204" pitchFamily="34" charset="-120"/>
+                <a:ea typeface="微軟正黑體" panose="020B0604030504040204" pitchFamily="34" charset="-120"/>
+              </a:rPr>
+              <a:t>是否有先相關搜尋</a:t>
+            </a:r>
+            <a:endParaRPr lang="zh-TW" altLang="en-US" sz="1400" dirty="0">
+              <a:latin typeface="微軟正黑體" panose="020B0604030504040204" pitchFamily="34" charset="-120"/>
+              <a:ea typeface="微軟正黑體" panose="020B0604030504040204" pitchFamily="34" charset="-120"/>
+            </a:endParaRPr>
+          </a:p>
+        </p:txBody>
+      </p:sp>
+      <p:sp>
+        <p:nvSpPr>
+          <p:cNvPr id="6" name="文字方塊 5"/>
+          <p:cNvSpPr txBox="1"/>
+          <p:nvPr/>
+        </p:nvSpPr>
+        <p:spPr>
+          <a:xfrm>
+            <a:off x="2825577" y="2909378"/>
+            <a:ext cx="354227" cy="369332"/>
+          </a:xfrm>
+          <a:prstGeom prst="rect">
+            <a:avLst/>
+          </a:prstGeom>
+          <a:noFill/>
+        </p:spPr>
+        <p:txBody>
+          <a:bodyPr wrap="square" rtlCol="0">
+            <a:spAutoFit/>
+          </a:bodyPr>
+          <a:lstStyle/>
+          <a:p>
+            <a:r>
+              <a:rPr lang="zh-TW" altLang="en-US" dirty="0" smtClean="0">
+                <a:latin typeface="微軟正黑體" panose="020B0604030504040204" pitchFamily="34" charset="-120"/>
+                <a:ea typeface="微軟正黑體" panose="020B0604030504040204" pitchFamily="34" charset="-120"/>
+              </a:rPr>
+              <a:t>是</a:t>
+            </a:r>
+            <a:endParaRPr lang="zh-TW" altLang="en-US" dirty="0">
+              <a:latin typeface="微軟正黑體" panose="020B0604030504040204" pitchFamily="34" charset="-120"/>
+              <a:ea typeface="微軟正黑體" panose="020B0604030504040204" pitchFamily="34" charset="-120"/>
+            </a:endParaRPr>
+          </a:p>
+        </p:txBody>
+      </p:sp>
+      <p:pic>
+        <p:nvPicPr>
+          <p:cNvPr id="9" name="圖片 8"/>
+          <p:cNvPicPr>
+            <a:picLocks noChangeAspect="1"/>
+          </p:cNvPicPr>
+          <p:nvPr/>
+        </p:nvPicPr>
+        <p:blipFill>
+          <a:blip r:embed="rId2">
+            <a:extLst>
+              <a:ext uri="{28A0092B-C50C-407E-A947-70E740481C1C}">
+                <a14:useLocalDpi xmlns:a14="http://schemas.microsoft.com/office/drawing/2010/main" val="0"/>
+              </a:ext>
+            </a:extLst>
+          </a:blip>
+          <a:stretch>
+            <a:fillRect/>
+          </a:stretch>
+        </p:blipFill>
+        <p:spPr>
+          <a:xfrm>
+            <a:off x="5070380" y="52063"/>
+            <a:ext cx="1803198" cy="3289803"/>
+          </a:xfrm>
+          <a:prstGeom prst="rect">
+            <a:avLst/>
+          </a:prstGeom>
+        </p:spPr>
+      </p:pic>
+      <p:cxnSp>
+        <p:nvCxnSpPr>
+          <p:cNvPr id="14" name="直線單箭頭接點 13"/>
+          <p:cNvCxnSpPr>
+            <a:stCxn id="3" idx="3"/>
+          </p:cNvCxnSpPr>
+          <p:nvPr/>
+        </p:nvCxnSpPr>
+        <p:spPr>
+          <a:xfrm flipV="1">
+            <a:off x="2825577" y="2710249"/>
+            <a:ext cx="1359245" cy="851403"/>
+          </a:xfrm>
+          <a:prstGeom prst="straightConnector1">
+            <a:avLst/>
+          </a:prstGeom>
+          <a:ln w="28575">
+            <a:tailEnd type="triangle"/>
+          </a:ln>
+        </p:spPr>
+        <p:style>
+          <a:lnRef idx="1">
+            <a:schemeClr val="accent1"/>
+          </a:lnRef>
+          <a:fillRef idx="0">
+            <a:schemeClr val="accent1"/>
+          </a:fillRef>
+          <a:effectRef idx="0">
+            <a:schemeClr val="accent1"/>
+          </a:effectRef>
+          <a:fontRef idx="minor">
+            <a:schemeClr val="tx1"/>
+          </a:fontRef>
+        </p:style>
+      </p:cxnSp>
+      <p:cxnSp>
+        <p:nvCxnSpPr>
+          <p:cNvPr id="18" name="直線單箭頭接點 17"/>
+          <p:cNvCxnSpPr>
+            <a:stCxn id="3" idx="3"/>
+          </p:cNvCxnSpPr>
+          <p:nvPr/>
+        </p:nvCxnSpPr>
+        <p:spPr>
+          <a:xfrm>
+            <a:off x="2825577" y="3561652"/>
+            <a:ext cx="1215765" cy="1130822"/>
+          </a:xfrm>
+          <a:prstGeom prst="straightConnector1">
+            <a:avLst/>
+          </a:prstGeom>
+          <a:ln w="28575">
+            <a:tailEnd type="triangle"/>
+          </a:ln>
+        </p:spPr>
+        <p:style>
+          <a:lnRef idx="1">
+            <a:schemeClr val="accent1"/>
+          </a:lnRef>
+          <a:fillRef idx="0">
+            <a:schemeClr val="accent1"/>
+          </a:fillRef>
+          <a:effectRef idx="0">
+            <a:schemeClr val="accent1"/>
+          </a:effectRef>
+          <a:fontRef idx="minor">
+            <a:schemeClr val="tx1"/>
+          </a:fontRef>
+        </p:style>
+      </p:cxnSp>
+      <p:sp>
+        <p:nvSpPr>
+          <p:cNvPr id="21" name="文字方塊 20"/>
+          <p:cNvSpPr txBox="1"/>
+          <p:nvPr/>
+        </p:nvSpPr>
+        <p:spPr>
+          <a:xfrm>
+            <a:off x="2825576" y="3924256"/>
+            <a:ext cx="354227" cy="369332"/>
+          </a:xfrm>
+          <a:prstGeom prst="rect">
+            <a:avLst/>
+          </a:prstGeom>
+          <a:noFill/>
+        </p:spPr>
+        <p:txBody>
+          <a:bodyPr wrap="square" rtlCol="0">
+            <a:spAutoFit/>
+          </a:bodyPr>
+          <a:lstStyle/>
+          <a:p>
+            <a:r>
+              <a:rPr lang="zh-TW" altLang="en-US" dirty="0" smtClean="0">
+                <a:latin typeface="微軟正黑體" panose="020B0604030504040204" pitchFamily="34" charset="-120"/>
+                <a:ea typeface="微軟正黑體" panose="020B0604030504040204" pitchFamily="34" charset="-120"/>
+              </a:rPr>
+              <a:t>否</a:t>
+            </a:r>
+            <a:endParaRPr lang="zh-TW" altLang="en-US" dirty="0">
+              <a:latin typeface="微軟正黑體" panose="020B0604030504040204" pitchFamily="34" charset="-120"/>
+              <a:ea typeface="微軟正黑體" panose="020B0604030504040204" pitchFamily="34" charset="-120"/>
+            </a:endParaRPr>
+          </a:p>
+        </p:txBody>
+      </p:sp>
+      <p:sp>
+        <p:nvSpPr>
+          <p:cNvPr id="24" name="向右箭號 23"/>
+          <p:cNvSpPr/>
+          <p:nvPr/>
+        </p:nvSpPr>
+        <p:spPr>
+          <a:xfrm>
+            <a:off x="7114415" y="1416967"/>
+            <a:ext cx="1638048" cy="325370"/>
+          </a:xfrm>
+          <a:prstGeom prst="rightArrow">
+            <a:avLst/>
+          </a:prstGeom>
+          <a:solidFill>
+            <a:srgbClr val="FBB3C9"/>
+          </a:solidFill>
+          <a:ln w="19050">
+            <a:solidFill>
+              <a:srgbClr val="E40080"/>
+            </a:solidFill>
+          </a:ln>
+        </p:spPr>
+        <p:style>
+          <a:lnRef idx="2">
+            <a:schemeClr val="accent1">
+              <a:shade val="50000"/>
+            </a:schemeClr>
+          </a:lnRef>
+          <a:fillRef idx="1">
+            <a:schemeClr val="accent1"/>
+          </a:fillRef>
+          <a:effectRef idx="0">
+            <a:schemeClr val="accent1"/>
+          </a:effectRef>
+          <a:fontRef idx="minor">
+            <a:schemeClr val="lt1"/>
+          </a:fontRef>
+        </p:style>
+        <p:txBody>
+          <a:bodyPr rtlCol="0" anchor="ctr"/>
+          <a:lstStyle/>
+          <a:p>
+            <a:pPr algn="ctr"/>
+            <a:endParaRPr lang="zh-TW" altLang="en-US"/>
+          </a:p>
+        </p:txBody>
+      </p:sp>
+      <p:sp>
+        <p:nvSpPr>
+          <p:cNvPr id="25" name="文字方塊 24"/>
+          <p:cNvSpPr txBox="1"/>
+          <p:nvPr/>
+        </p:nvSpPr>
+        <p:spPr>
+          <a:xfrm>
+            <a:off x="7151248" y="858629"/>
+            <a:ext cx="1508659" cy="338554"/>
+          </a:xfrm>
+          <a:prstGeom prst="rect">
+            <a:avLst/>
+          </a:prstGeom>
+          <a:noFill/>
+        </p:spPr>
+        <p:txBody>
+          <a:bodyPr wrap="square" rtlCol="0">
+            <a:spAutoFit/>
+          </a:bodyPr>
+          <a:lstStyle/>
+          <a:p>
+            <a:r>
+              <a:rPr lang="zh-TW" altLang="en-US" sz="1600" dirty="0" smtClean="0">
+                <a:latin typeface="微軟正黑體" panose="020B0604030504040204" pitchFamily="34" charset="-120"/>
+                <a:ea typeface="微軟正黑體" panose="020B0604030504040204" pitchFamily="34" charset="-120"/>
+              </a:rPr>
+              <a:t>點擊相關搜尋</a:t>
+            </a:r>
+            <a:endParaRPr lang="zh-TW" altLang="en-US" sz="1600" dirty="0">
+              <a:latin typeface="微軟正黑體" panose="020B0604030504040204" pitchFamily="34" charset="-120"/>
+              <a:ea typeface="微軟正黑體" panose="020B0604030504040204" pitchFamily="34" charset="-120"/>
+            </a:endParaRPr>
+          </a:p>
+        </p:txBody>
+      </p:sp>
+      <p:pic>
+        <p:nvPicPr>
+          <p:cNvPr id="26" name="圖片 25"/>
+          <p:cNvPicPr>
+            <a:picLocks noChangeAspect="1"/>
+          </p:cNvPicPr>
+          <p:nvPr/>
+        </p:nvPicPr>
+        <p:blipFill>
+          <a:blip r:embed="rId3">
+            <a:extLst>
+              <a:ext uri="{28A0092B-C50C-407E-A947-70E740481C1C}">
+                <a14:useLocalDpi xmlns:a14="http://schemas.microsoft.com/office/drawing/2010/main" val="0"/>
+              </a:ext>
+            </a:extLst>
+          </a:blip>
+          <a:stretch>
+            <a:fillRect/>
+          </a:stretch>
+        </p:blipFill>
+        <p:spPr>
+          <a:xfrm>
+            <a:off x="8937577" y="52063"/>
+            <a:ext cx="1803198" cy="3289803"/>
+          </a:xfrm>
+          <a:prstGeom prst="rect">
+            <a:avLst/>
+          </a:prstGeom>
+        </p:spPr>
+      </p:pic>
+      <p:pic>
+        <p:nvPicPr>
+          <p:cNvPr id="27" name="圖片 26"/>
+          <p:cNvPicPr>
+            <a:picLocks noChangeAspect="1"/>
+          </p:cNvPicPr>
+          <p:nvPr/>
+        </p:nvPicPr>
+        <p:blipFill>
+          <a:blip r:embed="rId4">
+            <a:extLst>
+              <a:ext uri="{28A0092B-C50C-407E-A947-70E740481C1C}">
+                <a14:useLocalDpi xmlns:a14="http://schemas.microsoft.com/office/drawing/2010/main" val="0"/>
+              </a:ext>
+            </a:extLst>
+          </a:blip>
+          <a:stretch>
+            <a:fillRect/>
+          </a:stretch>
+        </p:blipFill>
+        <p:spPr>
+          <a:xfrm>
+            <a:off x="7151248" y="3569316"/>
+            <a:ext cx="1719180" cy="3136519"/>
+          </a:xfrm>
+          <a:prstGeom prst="rect">
+            <a:avLst/>
+          </a:prstGeom>
+        </p:spPr>
+      </p:pic>
+      <p:sp>
+        <p:nvSpPr>
+          <p:cNvPr id="28" name="向右箭號 27"/>
+          <p:cNvSpPr/>
+          <p:nvPr/>
+        </p:nvSpPr>
+        <p:spPr>
+          <a:xfrm>
+            <a:off x="5883134" y="5133742"/>
+            <a:ext cx="1125192" cy="280960"/>
+          </a:xfrm>
+          <a:prstGeom prst="rightArrow">
+            <a:avLst/>
+          </a:prstGeom>
+          <a:solidFill>
+            <a:srgbClr val="FBB3C9"/>
+          </a:solidFill>
+          <a:ln w="19050">
+            <a:solidFill>
+              <a:srgbClr val="E40080"/>
+            </a:solidFill>
+          </a:ln>
+        </p:spPr>
+        <p:style>
+          <a:lnRef idx="2">
+            <a:schemeClr val="accent1">
+              <a:shade val="50000"/>
+            </a:schemeClr>
+          </a:lnRef>
+          <a:fillRef idx="1">
+            <a:schemeClr val="accent1"/>
+          </a:fillRef>
+          <a:effectRef idx="0">
+            <a:schemeClr val="accent1"/>
+          </a:effectRef>
+          <a:fontRef idx="minor">
+            <a:schemeClr val="lt1"/>
+          </a:fontRef>
+        </p:style>
+        <p:txBody>
+          <a:bodyPr rtlCol="0" anchor="ctr"/>
+          <a:lstStyle/>
+          <a:p>
+            <a:pPr algn="ctr"/>
+            <a:endParaRPr lang="zh-TW" altLang="en-US"/>
+          </a:p>
+        </p:txBody>
+      </p:sp>
+      <p:sp>
+        <p:nvSpPr>
+          <p:cNvPr id="29" name="文字方塊 28"/>
+          <p:cNvSpPr txBox="1"/>
+          <p:nvPr/>
+        </p:nvSpPr>
+        <p:spPr>
+          <a:xfrm>
+            <a:off x="5908204" y="4523197"/>
+            <a:ext cx="1508659" cy="338554"/>
+          </a:xfrm>
+          <a:prstGeom prst="rect">
+            <a:avLst/>
+          </a:prstGeom>
+          <a:noFill/>
+        </p:spPr>
+        <p:txBody>
+          <a:bodyPr wrap="square" rtlCol="0">
+            <a:spAutoFit/>
+          </a:bodyPr>
+          <a:lstStyle/>
+          <a:p>
+            <a:r>
+              <a:rPr lang="zh-TW" altLang="en-US" sz="1600" dirty="0" smtClean="0">
+                <a:latin typeface="微軟正黑體" panose="020B0604030504040204" pitchFamily="34" charset="-120"/>
+                <a:ea typeface="微軟正黑體" panose="020B0604030504040204" pitchFamily="34" charset="-120"/>
+              </a:rPr>
+              <a:t>點擊搜尋</a:t>
+            </a:r>
+            <a:endParaRPr lang="zh-TW" altLang="en-US" sz="1600" dirty="0">
+              <a:latin typeface="微軟正黑體" panose="020B0604030504040204" pitchFamily="34" charset="-120"/>
+              <a:ea typeface="微軟正黑體" panose="020B0604030504040204" pitchFamily="34" charset="-120"/>
+            </a:endParaRPr>
+          </a:p>
+        </p:txBody>
+      </p:sp>
+      <p:pic>
+        <p:nvPicPr>
+          <p:cNvPr id="30" name="圖片 29"/>
+          <p:cNvPicPr>
+            <a:picLocks noChangeAspect="1"/>
+          </p:cNvPicPr>
+          <p:nvPr/>
+        </p:nvPicPr>
+        <p:blipFill>
+          <a:blip r:embed="rId5">
+            <a:extLst>
+              <a:ext uri="{28A0092B-C50C-407E-A947-70E740481C1C}">
+                <a14:useLocalDpi xmlns:a14="http://schemas.microsoft.com/office/drawing/2010/main" val="0"/>
+              </a:ext>
+            </a:extLst>
+          </a:blip>
+          <a:stretch>
+            <a:fillRect/>
+          </a:stretch>
+        </p:blipFill>
+        <p:spPr>
+          <a:xfrm>
+            <a:off x="4184822" y="3561650"/>
+            <a:ext cx="1723382" cy="3144185"/>
+          </a:xfrm>
+          <a:prstGeom prst="rect">
+            <a:avLst/>
+          </a:prstGeom>
+        </p:spPr>
+      </p:pic>
+      <p:sp>
+        <p:nvSpPr>
+          <p:cNvPr id="31" name="向右箭號 30"/>
+          <p:cNvSpPr/>
+          <p:nvPr/>
+        </p:nvSpPr>
+        <p:spPr>
+          <a:xfrm>
+            <a:off x="8972676" y="4998557"/>
+            <a:ext cx="1288445" cy="627886"/>
+          </a:xfrm>
+          <a:prstGeom prst="rightArrow">
+            <a:avLst/>
+          </a:prstGeom>
+          <a:solidFill>
+            <a:srgbClr val="FBB3C9"/>
+          </a:solidFill>
+          <a:ln w="19050">
+            <a:solidFill>
+              <a:srgbClr val="E40080"/>
+            </a:solidFill>
+          </a:ln>
+        </p:spPr>
+        <p:style>
+          <a:lnRef idx="2">
+            <a:schemeClr val="accent1">
+              <a:shade val="50000"/>
+            </a:schemeClr>
+          </a:lnRef>
+          <a:fillRef idx="1">
+            <a:schemeClr val="accent1"/>
+          </a:fillRef>
+          <a:effectRef idx="0">
+            <a:schemeClr val="accent1"/>
+          </a:effectRef>
+          <a:fontRef idx="minor">
+            <a:schemeClr val="lt1"/>
+          </a:fontRef>
+        </p:style>
+        <p:txBody>
+          <a:bodyPr rtlCol="0" anchor="ctr"/>
+          <a:lstStyle/>
+          <a:p>
+            <a:pPr algn="ctr"/>
+            <a:endParaRPr lang="zh-TW" altLang="en-US"/>
+          </a:p>
+        </p:txBody>
+      </p:sp>
+      <p:pic>
+        <p:nvPicPr>
+          <p:cNvPr id="32" name="圖片 31"/>
+          <p:cNvPicPr>
+            <a:picLocks noChangeAspect="1"/>
+          </p:cNvPicPr>
+          <p:nvPr/>
+        </p:nvPicPr>
+        <p:blipFill>
+          <a:blip r:embed="rId6">
+            <a:extLst>
+              <a:ext uri="{28A0092B-C50C-407E-A947-70E740481C1C}">
+                <a14:useLocalDpi xmlns:a14="http://schemas.microsoft.com/office/drawing/2010/main" val="0"/>
+              </a:ext>
+            </a:extLst>
+          </a:blip>
+          <a:stretch>
+            <a:fillRect/>
+          </a:stretch>
+        </p:blipFill>
+        <p:spPr>
+          <a:xfrm>
+            <a:off x="10281465" y="3562544"/>
+            <a:ext cx="1729303" cy="3143291"/>
+          </a:xfrm>
+          <a:prstGeom prst="rect">
+            <a:avLst/>
+          </a:prstGeom>
+        </p:spPr>
+      </p:pic>
+      <p:sp>
+        <p:nvSpPr>
+          <p:cNvPr id="33" name="文字方塊 32"/>
+          <p:cNvSpPr txBox="1"/>
+          <p:nvPr/>
+        </p:nvSpPr>
+        <p:spPr>
+          <a:xfrm>
+            <a:off x="8752463" y="4399504"/>
+            <a:ext cx="1508659" cy="584775"/>
+          </a:xfrm>
+          <a:prstGeom prst="rect">
+            <a:avLst/>
+          </a:prstGeom>
+          <a:noFill/>
+        </p:spPr>
+        <p:txBody>
+          <a:bodyPr wrap="square" rtlCol="0">
+            <a:spAutoFit/>
+          </a:bodyPr>
+          <a:lstStyle/>
+          <a:p>
+            <a:pPr algn="ctr"/>
+            <a:r>
+              <a:rPr lang="zh-TW" altLang="en-US" sz="1600" dirty="0" smtClean="0">
+                <a:latin typeface="微軟正黑體" panose="020B0604030504040204" pitchFamily="34" charset="-120"/>
+                <a:ea typeface="微軟正黑體" panose="020B0604030504040204" pitchFamily="34" charset="-120"/>
+              </a:rPr>
+              <a:t>無</a:t>
+            </a:r>
+            <a:r>
+              <a:rPr lang="zh-TW" altLang="en-US" sz="1600" dirty="0">
+                <a:latin typeface="微軟正黑體" panose="020B0604030504040204" pitchFamily="34" charset="-120"/>
+                <a:ea typeface="微軟正黑體" panose="020B0604030504040204" pitchFamily="34" charset="-120"/>
+              </a:rPr>
+              <a:t>商品</a:t>
+            </a:r>
+            <a:endParaRPr lang="en-US" altLang="zh-TW" sz="1600" dirty="0" smtClean="0">
+              <a:latin typeface="微軟正黑體" panose="020B0604030504040204" pitchFamily="34" charset="-120"/>
+              <a:ea typeface="微軟正黑體" panose="020B0604030504040204" pitchFamily="34" charset="-120"/>
+            </a:endParaRPr>
+          </a:p>
+          <a:p>
+            <a:pPr algn="ctr"/>
+            <a:r>
+              <a:rPr lang="zh-TW" altLang="en-US" sz="1600" dirty="0" smtClean="0">
+                <a:latin typeface="微軟正黑體" panose="020B0604030504040204" pitchFamily="34" charset="-120"/>
+                <a:ea typeface="微軟正黑體" panose="020B0604030504040204" pitchFamily="34" charset="-120"/>
+              </a:rPr>
+              <a:t>重新搜</a:t>
+            </a:r>
+            <a:r>
+              <a:rPr lang="zh-TW" altLang="en-US" sz="1600" dirty="0">
+                <a:latin typeface="微軟正黑體" panose="020B0604030504040204" pitchFamily="34" charset="-120"/>
+                <a:ea typeface="微軟正黑體" panose="020B0604030504040204" pitchFamily="34" charset="-120"/>
+              </a:rPr>
+              <a:t>尋</a:t>
+            </a:r>
+          </a:p>
+        </p:txBody>
+      </p:sp>
+    </p:spTree>
+    <p:extLst>
+      <p:ext uri="{BB962C8B-B14F-4D97-AF65-F5344CB8AC3E}">
+        <p14:creationId xmlns:p14="http://schemas.microsoft.com/office/powerpoint/2010/main" val="2085322001"/>
+      </p:ext>
+    </p:extLst>
+  </p:cSld>
+  <p:clrMapOvr>
+    <a:masterClrMapping/>
+  </p:clrMapOvr>
+  <p:timing>
+    <p:tnLst>
+      <p:par>
+        <p:cTn id="1" dur="indefinite" restart="never" nodeType="tmRoot"/>
+      </p:par>
+    </p:tnLst>
+  </p:timing>
+</p:sld>
+</file>
+
 <file path=ppt/slides/slide2.xml><?xml version="1.0" encoding="utf-8"?>
 <p:sld xmlns:a="http://schemas.openxmlformats.org/drawingml/2006/main" xmlns:r="http://schemas.openxmlformats.org/officeDocument/2006/relationships" xmlns:p="http://schemas.openxmlformats.org/presentationml/2006/main">
   <p:cSld>

--- a/hw6/UX framework for MOMO購物網.pptx
+++ b/hw6/UX framework for MOMO購物網.pptx
@@ -253,7 +253,7 @@
           <a:p>
             <a:fld id="{E022A2EC-DB29-4C66-B2AF-A87F10FC6770}" type="datetimeFigureOut">
               <a:rPr lang="zh-TW" altLang="en-US" smtClean="0"/>
-              <a:t>2017/3/31</a:t>
+              <a:t>2017/4/4</a:t>
             </a:fld>
             <a:endParaRPr lang="zh-TW" altLang="en-US"/>
           </a:p>
@@ -423,7 +423,7 @@
           <a:p>
             <a:fld id="{E022A2EC-DB29-4C66-B2AF-A87F10FC6770}" type="datetimeFigureOut">
               <a:rPr lang="zh-TW" altLang="en-US" smtClean="0"/>
-              <a:t>2017/3/31</a:t>
+              <a:t>2017/4/4</a:t>
             </a:fld>
             <a:endParaRPr lang="zh-TW" altLang="en-US"/>
           </a:p>
@@ -603,7 +603,7 @@
           <a:p>
             <a:fld id="{E022A2EC-DB29-4C66-B2AF-A87F10FC6770}" type="datetimeFigureOut">
               <a:rPr lang="zh-TW" altLang="en-US" smtClean="0"/>
-              <a:t>2017/3/31</a:t>
+              <a:t>2017/4/4</a:t>
             </a:fld>
             <a:endParaRPr lang="zh-TW" altLang="en-US"/>
           </a:p>
@@ -773,7 +773,7 @@
           <a:p>
             <a:fld id="{E022A2EC-DB29-4C66-B2AF-A87F10FC6770}" type="datetimeFigureOut">
               <a:rPr lang="zh-TW" altLang="en-US" smtClean="0"/>
-              <a:t>2017/3/31</a:t>
+              <a:t>2017/4/4</a:t>
             </a:fld>
             <a:endParaRPr lang="zh-TW" altLang="en-US"/>
           </a:p>
@@ -1019,7 +1019,7 @@
           <a:p>
             <a:fld id="{E022A2EC-DB29-4C66-B2AF-A87F10FC6770}" type="datetimeFigureOut">
               <a:rPr lang="zh-TW" altLang="en-US" smtClean="0"/>
-              <a:t>2017/3/31</a:t>
+              <a:t>2017/4/4</a:t>
             </a:fld>
             <a:endParaRPr lang="zh-TW" altLang="en-US"/>
           </a:p>
@@ -1251,7 +1251,7 @@
           <a:p>
             <a:fld id="{E022A2EC-DB29-4C66-B2AF-A87F10FC6770}" type="datetimeFigureOut">
               <a:rPr lang="zh-TW" altLang="en-US" smtClean="0"/>
-              <a:t>2017/3/31</a:t>
+              <a:t>2017/4/4</a:t>
             </a:fld>
             <a:endParaRPr lang="zh-TW" altLang="en-US"/>
           </a:p>
@@ -1618,7 +1618,7 @@
           <a:p>
             <a:fld id="{E022A2EC-DB29-4C66-B2AF-A87F10FC6770}" type="datetimeFigureOut">
               <a:rPr lang="zh-TW" altLang="en-US" smtClean="0"/>
-              <a:t>2017/3/31</a:t>
+              <a:t>2017/4/4</a:t>
             </a:fld>
             <a:endParaRPr lang="zh-TW" altLang="en-US"/>
           </a:p>
@@ -1736,7 +1736,7 @@
           <a:p>
             <a:fld id="{E022A2EC-DB29-4C66-B2AF-A87F10FC6770}" type="datetimeFigureOut">
               <a:rPr lang="zh-TW" altLang="en-US" smtClean="0"/>
-              <a:t>2017/3/31</a:t>
+              <a:t>2017/4/4</a:t>
             </a:fld>
             <a:endParaRPr lang="zh-TW" altLang="en-US"/>
           </a:p>
@@ -1831,7 +1831,7 @@
           <a:p>
             <a:fld id="{E022A2EC-DB29-4C66-B2AF-A87F10FC6770}" type="datetimeFigureOut">
               <a:rPr lang="zh-TW" altLang="en-US" smtClean="0"/>
-              <a:t>2017/3/31</a:t>
+              <a:t>2017/4/4</a:t>
             </a:fld>
             <a:endParaRPr lang="zh-TW" altLang="en-US"/>
           </a:p>
@@ -2108,7 +2108,7 @@
           <a:p>
             <a:fld id="{E022A2EC-DB29-4C66-B2AF-A87F10FC6770}" type="datetimeFigureOut">
               <a:rPr lang="zh-TW" altLang="en-US" smtClean="0"/>
-              <a:t>2017/3/31</a:t>
+              <a:t>2017/4/4</a:t>
             </a:fld>
             <a:endParaRPr lang="zh-TW" altLang="en-US"/>
           </a:p>
@@ -2361,7 +2361,7 @@
           <a:p>
             <a:fld id="{E022A2EC-DB29-4C66-B2AF-A87F10FC6770}" type="datetimeFigureOut">
               <a:rPr lang="zh-TW" altLang="en-US" smtClean="0"/>
-              <a:t>2017/3/31</a:t>
+              <a:t>2017/4/4</a:t>
             </a:fld>
             <a:endParaRPr lang="zh-TW" altLang="en-US"/>
           </a:p>
@@ -2574,7 +2574,7 @@
           <a:p>
             <a:fld id="{E022A2EC-DB29-4C66-B2AF-A87F10FC6770}" type="datetimeFigureOut">
               <a:rPr lang="zh-TW" altLang="en-US" smtClean="0"/>
-              <a:t>2017/3/31</a:t>
+              <a:t>2017/4/4</a:t>
             </a:fld>
             <a:endParaRPr lang="zh-TW" altLang="en-US"/>
           </a:p>
@@ -6539,6 +6539,221 @@
           </a:fontRef>
         </p:style>
       </p:cxnSp>
+      <p:sp>
+        <p:nvSpPr>
+          <p:cNvPr id="51" name="圓角矩形 50"/>
+          <p:cNvSpPr/>
+          <p:nvPr/>
+        </p:nvSpPr>
+        <p:spPr>
+          <a:xfrm>
+            <a:off x="5751991" y="3797987"/>
+            <a:ext cx="1287244" cy="304800"/>
+          </a:xfrm>
+          <a:prstGeom prst="roundRect">
+            <a:avLst/>
+          </a:prstGeom>
+          <a:solidFill>
+            <a:schemeClr val="accent5">
+              <a:lumMod val="60000"/>
+              <a:lumOff val="40000"/>
+            </a:schemeClr>
+          </a:solidFill>
+          <a:ln>
+            <a:solidFill>
+              <a:schemeClr val="bg1"/>
+            </a:solidFill>
+          </a:ln>
+        </p:spPr>
+        <p:style>
+          <a:lnRef idx="2">
+            <a:schemeClr val="accent1">
+              <a:shade val="50000"/>
+            </a:schemeClr>
+          </a:lnRef>
+          <a:fillRef idx="1">
+            <a:schemeClr val="accent1"/>
+          </a:fillRef>
+          <a:effectRef idx="0">
+            <a:schemeClr val="accent1"/>
+          </a:effectRef>
+          <a:fontRef idx="minor">
+            <a:schemeClr val="lt1"/>
+          </a:fontRef>
+        </p:style>
+        <p:txBody>
+          <a:bodyPr rtlCol="0" anchor="ctr"/>
+          <a:lstStyle/>
+          <a:p>
+            <a:pPr algn="ctr"/>
+            <a:r>
+              <a:rPr lang="zh-TW" altLang="en-US" sz="1200" dirty="0" smtClean="0">
+                <a:latin typeface="微軟正黑體" panose="020B0604030504040204" pitchFamily="34" charset="-120"/>
+                <a:ea typeface="微軟正黑體" panose="020B0604030504040204" pitchFamily="34" charset="-120"/>
+              </a:rPr>
+              <a:t>檢視追蹤商品</a:t>
+            </a:r>
+            <a:endParaRPr lang="zh-TW" altLang="en-US" sz="1200" dirty="0">
+              <a:latin typeface="微軟正黑體" panose="020B0604030504040204" pitchFamily="34" charset="-120"/>
+              <a:ea typeface="微軟正黑體" panose="020B0604030504040204" pitchFamily="34" charset="-120"/>
+            </a:endParaRPr>
+          </a:p>
+        </p:txBody>
+      </p:sp>
+      <p:sp>
+        <p:nvSpPr>
+          <p:cNvPr id="57" name="圓角矩形 56"/>
+          <p:cNvSpPr/>
+          <p:nvPr/>
+        </p:nvSpPr>
+        <p:spPr>
+          <a:xfrm>
+            <a:off x="5751991" y="4367481"/>
+            <a:ext cx="1287244" cy="304800"/>
+          </a:xfrm>
+          <a:prstGeom prst="roundRect">
+            <a:avLst/>
+          </a:prstGeom>
+          <a:solidFill>
+            <a:schemeClr val="accent5">
+              <a:lumMod val="60000"/>
+              <a:lumOff val="40000"/>
+            </a:schemeClr>
+          </a:solidFill>
+          <a:ln>
+            <a:solidFill>
+              <a:schemeClr val="bg1"/>
+            </a:solidFill>
+          </a:ln>
+        </p:spPr>
+        <p:style>
+          <a:lnRef idx="2">
+            <a:schemeClr val="accent1">
+              <a:shade val="50000"/>
+            </a:schemeClr>
+          </a:lnRef>
+          <a:fillRef idx="1">
+            <a:schemeClr val="accent1"/>
+          </a:fillRef>
+          <a:effectRef idx="0">
+            <a:schemeClr val="accent1"/>
+          </a:effectRef>
+          <a:fontRef idx="minor">
+            <a:schemeClr val="lt1"/>
+          </a:fontRef>
+        </p:style>
+        <p:txBody>
+          <a:bodyPr rtlCol="0" anchor="ctr"/>
+          <a:lstStyle/>
+          <a:p>
+            <a:pPr algn="ctr"/>
+            <a:r>
+              <a:rPr lang="zh-TW" altLang="en-US" sz="1200" dirty="0" smtClean="0">
+                <a:latin typeface="微軟正黑體" panose="020B0604030504040204" pitchFamily="34" charset="-120"/>
+                <a:ea typeface="微軟正黑體" panose="020B0604030504040204" pitchFamily="34" charset="-120"/>
+              </a:rPr>
+              <a:t>刪除追蹤商品</a:t>
+            </a:r>
+            <a:endParaRPr lang="zh-TW" altLang="en-US" sz="1200" dirty="0">
+              <a:latin typeface="微軟正黑體" panose="020B0604030504040204" pitchFamily="34" charset="-120"/>
+              <a:ea typeface="微軟正黑體" panose="020B0604030504040204" pitchFamily="34" charset="-120"/>
+            </a:endParaRPr>
+          </a:p>
+        </p:txBody>
+      </p:sp>
+      <p:cxnSp>
+        <p:nvCxnSpPr>
+          <p:cNvPr id="58" name="直線接點 57"/>
+          <p:cNvCxnSpPr/>
+          <p:nvPr/>
+        </p:nvCxnSpPr>
+        <p:spPr>
+          <a:xfrm>
+            <a:off x="5604866" y="2800097"/>
+            <a:ext cx="0" cy="1746853"/>
+          </a:xfrm>
+          <a:prstGeom prst="line">
+            <a:avLst/>
+          </a:prstGeom>
+          <a:ln w="19050"/>
+        </p:spPr>
+        <p:style>
+          <a:lnRef idx="1">
+            <a:schemeClr val="accent1"/>
+          </a:lnRef>
+          <a:fillRef idx="0">
+            <a:schemeClr val="accent1"/>
+          </a:fillRef>
+          <a:effectRef idx="0">
+            <a:schemeClr val="accent1"/>
+          </a:effectRef>
+          <a:fontRef idx="minor">
+            <a:schemeClr val="tx1"/>
+          </a:fontRef>
+        </p:style>
+      </p:cxnSp>
+      <p:cxnSp>
+        <p:nvCxnSpPr>
+          <p:cNvPr id="63" name="直線接點 62"/>
+          <p:cNvCxnSpPr/>
+          <p:nvPr/>
+        </p:nvCxnSpPr>
+        <p:spPr>
+          <a:xfrm flipH="1" flipV="1">
+            <a:off x="5604866" y="3964393"/>
+            <a:ext cx="189386" cy="360"/>
+          </a:xfrm>
+          <a:prstGeom prst="line">
+            <a:avLst/>
+          </a:prstGeom>
+          <a:ln w="19050"/>
+        </p:spPr>
+        <p:style>
+          <a:lnRef idx="1">
+            <a:schemeClr val="accent1"/>
+          </a:lnRef>
+          <a:fillRef idx="0">
+            <a:schemeClr val="accent1"/>
+          </a:fillRef>
+          <a:effectRef idx="0">
+            <a:schemeClr val="accent1"/>
+          </a:effectRef>
+          <a:fontRef idx="minor">
+            <a:schemeClr val="tx1"/>
+          </a:fontRef>
+        </p:style>
+      </p:cxnSp>
+      <p:cxnSp>
+        <p:nvCxnSpPr>
+          <p:cNvPr id="64" name="直線接點 63"/>
+          <p:cNvCxnSpPr/>
+          <p:nvPr/>
+        </p:nvCxnSpPr>
+        <p:spPr>
+          <a:xfrm flipH="1" flipV="1">
+            <a:off x="5604866" y="4538790"/>
+            <a:ext cx="158496" cy="2"/>
+          </a:xfrm>
+          <a:prstGeom prst="line">
+            <a:avLst/>
+          </a:prstGeom>
+          <a:ln w="19050"/>
+        </p:spPr>
+        <p:style>
+          <a:lnRef idx="1">
+            <a:schemeClr val="accent1"/>
+          </a:lnRef>
+          <a:fillRef idx="0">
+            <a:schemeClr val="accent1"/>
+          </a:fillRef>
+          <a:effectRef idx="0">
+            <a:schemeClr val="accent1"/>
+          </a:effectRef>
+          <a:fontRef idx="minor">
+            <a:schemeClr val="tx1"/>
+          </a:fontRef>
+        </p:style>
+      </p:cxnSp>
     </p:spTree>
     <p:extLst>
       <p:ext uri="{BB962C8B-B14F-4D97-AF65-F5344CB8AC3E}">
